--- a/teaching/semantics/02_CoqOverview.pptx
+++ b/teaching/semantics/02_CoqOverview.pptx
@@ -14,7 +14,8 @@
     <p:sldId id="262" r:id="rId8"/>
     <p:sldId id="263" r:id="rId9"/>
     <p:sldId id="264" r:id="rId10"/>
-    <p:sldId id="265" r:id="rId11"/>
+    <p:sldId id="267" r:id="rId11"/>
+    <p:sldId id="265" r:id="rId12"/>
   </p:sldIdLst>
   <p:sldSz cx="9144000" cy="6858000" type="screen4x3"/>
   <p:notesSz cx="6858000" cy="9144000"/>
@@ -252,7 +253,7 @@
           <a:p>
             <a:fld id="{83D2FC69-88AA-4819-9658-6B6EDB5C2B58}" type="datetimeFigureOut">
               <a:rPr lang="zh-CN" altLang="en-US" smtClean="0"/>
-              <a:t>2020/9/9</a:t>
+              <a:t>2023/9/5</a:t>
             </a:fld>
             <a:endParaRPr lang="zh-CN" altLang="en-US"/>
           </a:p>
@@ -422,7 +423,7 @@
           <a:p>
             <a:fld id="{83D2FC69-88AA-4819-9658-6B6EDB5C2B58}" type="datetimeFigureOut">
               <a:rPr lang="zh-CN" altLang="en-US" smtClean="0"/>
-              <a:t>2020/9/9</a:t>
+              <a:t>2023/9/5</a:t>
             </a:fld>
             <a:endParaRPr lang="zh-CN" altLang="en-US"/>
           </a:p>
@@ -602,7 +603,7 @@
           <a:p>
             <a:fld id="{83D2FC69-88AA-4819-9658-6B6EDB5C2B58}" type="datetimeFigureOut">
               <a:rPr lang="zh-CN" altLang="en-US" smtClean="0"/>
-              <a:t>2020/9/9</a:t>
+              <a:t>2023/9/5</a:t>
             </a:fld>
             <a:endParaRPr lang="zh-CN" altLang="en-US"/>
           </a:p>
@@ -772,7 +773,7 @@
           <a:p>
             <a:fld id="{83D2FC69-88AA-4819-9658-6B6EDB5C2B58}" type="datetimeFigureOut">
               <a:rPr lang="zh-CN" altLang="en-US" smtClean="0"/>
-              <a:t>2020/9/9</a:t>
+              <a:t>2023/9/5</a:t>
             </a:fld>
             <a:endParaRPr lang="zh-CN" altLang="en-US"/>
           </a:p>
@@ -1016,7 +1017,7 @@
           <a:p>
             <a:fld id="{83D2FC69-88AA-4819-9658-6B6EDB5C2B58}" type="datetimeFigureOut">
               <a:rPr lang="zh-CN" altLang="en-US" smtClean="0"/>
-              <a:t>2020/9/9</a:t>
+              <a:t>2023/9/5</a:t>
             </a:fld>
             <a:endParaRPr lang="zh-CN" altLang="en-US"/>
           </a:p>
@@ -1248,7 +1249,7 @@
           <a:p>
             <a:fld id="{83D2FC69-88AA-4819-9658-6B6EDB5C2B58}" type="datetimeFigureOut">
               <a:rPr lang="zh-CN" altLang="en-US" smtClean="0"/>
-              <a:t>2020/9/9</a:t>
+              <a:t>2023/9/5</a:t>
             </a:fld>
             <a:endParaRPr lang="zh-CN" altLang="en-US"/>
           </a:p>
@@ -1615,7 +1616,7 @@
           <a:p>
             <a:fld id="{83D2FC69-88AA-4819-9658-6B6EDB5C2B58}" type="datetimeFigureOut">
               <a:rPr lang="zh-CN" altLang="en-US" smtClean="0"/>
-              <a:t>2020/9/9</a:t>
+              <a:t>2023/9/5</a:t>
             </a:fld>
             <a:endParaRPr lang="zh-CN" altLang="en-US"/>
           </a:p>
@@ -1733,7 +1734,7 @@
           <a:p>
             <a:fld id="{83D2FC69-88AA-4819-9658-6B6EDB5C2B58}" type="datetimeFigureOut">
               <a:rPr lang="zh-CN" altLang="en-US" smtClean="0"/>
-              <a:t>2020/9/9</a:t>
+              <a:t>2023/9/5</a:t>
             </a:fld>
             <a:endParaRPr lang="zh-CN" altLang="en-US"/>
           </a:p>
@@ -1828,7 +1829,7 @@
           <a:p>
             <a:fld id="{83D2FC69-88AA-4819-9658-6B6EDB5C2B58}" type="datetimeFigureOut">
               <a:rPr lang="zh-CN" altLang="en-US" smtClean="0"/>
-              <a:t>2020/9/9</a:t>
+              <a:t>2023/9/5</a:t>
             </a:fld>
             <a:endParaRPr lang="zh-CN" altLang="en-US"/>
           </a:p>
@@ -2105,7 +2106,7 @@
           <a:p>
             <a:fld id="{83D2FC69-88AA-4819-9658-6B6EDB5C2B58}" type="datetimeFigureOut">
               <a:rPr lang="zh-CN" altLang="en-US" smtClean="0"/>
-              <a:t>2020/9/9</a:t>
+              <a:t>2023/9/5</a:t>
             </a:fld>
             <a:endParaRPr lang="zh-CN" altLang="en-US"/>
           </a:p>
@@ -2362,7 +2363,7 @@
           <a:p>
             <a:fld id="{83D2FC69-88AA-4819-9658-6B6EDB5C2B58}" type="datetimeFigureOut">
               <a:rPr lang="zh-CN" altLang="en-US" smtClean="0"/>
-              <a:t>2020/9/9</a:t>
+              <a:t>2023/9/5</a:t>
             </a:fld>
             <a:endParaRPr lang="zh-CN" altLang="en-US"/>
           </a:p>
@@ -2575,7 +2576,7 @@
           <a:p>
             <a:fld id="{83D2FC69-88AA-4819-9658-6B6EDB5C2B58}" type="datetimeFigureOut">
               <a:rPr lang="zh-CN" altLang="en-US" smtClean="0"/>
-              <a:t>2020/9/9</a:t>
+              <a:t>2023/9/5</a:t>
             </a:fld>
             <a:endParaRPr lang="zh-CN" altLang="en-US"/>
           </a:p>
@@ -3038,6 +3039,127 @@
 </file>
 
 <file path=ppt/slides/slide10.xml><?xml version="1.0" encoding="utf-8"?>
+<p:sld xmlns:a="http://schemas.openxmlformats.org/drawingml/2006/main" xmlns:r="http://schemas.openxmlformats.org/officeDocument/2006/relationships" xmlns:p="http://schemas.openxmlformats.org/presentationml/2006/main">
+  <p:cSld>
+    <p:spTree>
+      <p:nvGrpSpPr>
+        <p:cNvPr id="1" name=""/>
+        <p:cNvGrpSpPr/>
+        <p:nvPr/>
+      </p:nvGrpSpPr>
+      <p:grpSpPr>
+        <a:xfrm>
+          <a:off x="0" y="0"/>
+          <a:ext cx="0" cy="0"/>
+          <a:chOff x="0" y="0"/>
+          <a:chExt cx="0" cy="0"/>
+        </a:xfrm>
+      </p:grpSpPr>
+      <p:sp>
+        <p:nvSpPr>
+          <p:cNvPr id="2" name="标题 1"/>
+          <p:cNvSpPr>
+            <a:spLocks noGrp="1"/>
+          </p:cNvSpPr>
+          <p:nvPr>
+            <p:ph type="title"/>
+          </p:nvPr>
+        </p:nvSpPr>
+        <p:spPr/>
+        <p:txBody>
+          <a:bodyPr/>
+          <a:lstStyle/>
+          <a:p>
+            <a:r>
+              <a:rPr lang="en-US" altLang="zh-CN" dirty="0"/>
+              <a:t>Gains lots of popularity</a:t>
+            </a:r>
+            <a:endParaRPr lang="zh-CN" altLang="en-US" dirty="0"/>
+          </a:p>
+        </p:txBody>
+      </p:sp>
+      <p:sp>
+        <p:nvSpPr>
+          <p:cNvPr id="7" name="内容占位符 6">
+            <a:extLst>
+              <a:ext uri="{FF2B5EF4-FFF2-40B4-BE49-F238E27FC236}">
+                <a16:creationId xmlns:a16="http://schemas.microsoft.com/office/drawing/2014/main" id="{52B5DBFC-4BA4-464F-A7D4-90B87E692D2C}"/>
+              </a:ext>
+            </a:extLst>
+          </p:cNvPr>
+          <p:cNvSpPr>
+            <a:spLocks noGrp="1"/>
+          </p:cNvSpPr>
+          <p:nvPr>
+            <p:ph idx="1"/>
+          </p:nvPr>
+        </p:nvSpPr>
+        <p:spPr/>
+        <p:txBody>
+          <a:bodyPr/>
+          <a:lstStyle/>
+          <a:p>
+            <a:r>
+              <a:rPr lang="en-US" altLang="zh-CN" dirty="0"/>
+              <a:t>Coq applications</a:t>
+            </a:r>
+          </a:p>
+          <a:p>
+            <a:pPr lvl="1"/>
+            <a:r>
+              <a:rPr lang="en-US" altLang="zh-CN" dirty="0" err="1"/>
+              <a:t>CompCert</a:t>
+            </a:r>
+            <a:r>
+              <a:rPr lang="en-US" altLang="zh-CN" dirty="0"/>
+              <a:t>: 2021 ACM Software System Award</a:t>
+            </a:r>
+          </a:p>
+          <a:p>
+            <a:pPr lvl="1"/>
+            <a:endParaRPr lang="en-US" altLang="zh-CN" dirty="0"/>
+          </a:p>
+          <a:p>
+            <a:pPr lvl="1"/>
+            <a:endParaRPr lang="en-US" altLang="zh-CN" dirty="0"/>
+          </a:p>
+          <a:p>
+            <a:pPr lvl="1"/>
+            <a:endParaRPr lang="en-US" altLang="zh-CN" dirty="0"/>
+          </a:p>
+          <a:p>
+            <a:r>
+              <a:rPr lang="en-US" altLang="zh-CN" dirty="0"/>
+              <a:t>Other projects of formal verification</a:t>
+            </a:r>
+          </a:p>
+          <a:p>
+            <a:pPr lvl="1"/>
+            <a:r>
+              <a:rPr lang="en-US" altLang="zh-CN" dirty="0"/>
+              <a:t>seL4: 2022 ACM Software System Award</a:t>
+            </a:r>
+          </a:p>
+          <a:p>
+            <a:pPr lvl="1"/>
+            <a:endParaRPr lang="zh-CN" altLang="en-US" dirty="0"/>
+          </a:p>
+        </p:txBody>
+      </p:sp>
+    </p:spTree>
+    <p:extLst>
+      <p:ext uri="{BB962C8B-B14F-4D97-AF65-F5344CB8AC3E}">
+        <p14:creationId xmlns:p14="http://schemas.microsoft.com/office/powerpoint/2010/main" val="4077703365"/>
+      </p:ext>
+    </p:extLst>
+  </p:cSld>
+  <p:clrMapOvr>
+    <a:masterClrMapping/>
+  </p:clrMapOvr>
+</p:sld>
+</file>
+
+<file path=ppt/slides/slide11.xml><?xml version="1.0" encoding="utf-8"?>
 <p:sld xmlns:a="http://schemas.openxmlformats.org/drawingml/2006/main" xmlns:r="http://schemas.openxmlformats.org/officeDocument/2006/relationships" xmlns:p="http://schemas.openxmlformats.org/presentationml/2006/main">
   <p:cSld>
     <p:spTree>
